--- a/Rdata/GO_term_analysis/Go term visualisations.pptx
+++ b/Rdata/GO_term_analysis/Go term visualisations.pptx
@@ -6,12 +6,16 @@
   </p:sldMasterIdLst>
   <p:sldIdLst>
     <p:sldId id="256" r:id="rId2"/>
-    <p:sldId id="257" r:id="rId3"/>
-    <p:sldId id="258" r:id="rId4"/>
-    <p:sldId id="262" r:id="rId5"/>
-    <p:sldId id="259" r:id="rId6"/>
-    <p:sldId id="260" r:id="rId7"/>
-    <p:sldId id="261" r:id="rId8"/>
+    <p:sldId id="263" r:id="rId3"/>
+    <p:sldId id="264" r:id="rId4"/>
+    <p:sldId id="266" r:id="rId5"/>
+    <p:sldId id="265" r:id="rId6"/>
+    <p:sldId id="257" r:id="rId7"/>
+    <p:sldId id="258" r:id="rId8"/>
+    <p:sldId id="262" r:id="rId9"/>
+    <p:sldId id="259" r:id="rId10"/>
+    <p:sldId id="260" r:id="rId11"/>
+    <p:sldId id="261" r:id="rId12"/>
   </p:sldIdLst>
   <p:sldSz cx="12192000" cy="6858000"/>
   <p:notesSz cx="6858000" cy="9144000"/>
@@ -110,6 +114,11 @@
       </a:defRPr>
     </a:lvl9pPr>
   </p:defaultTextStyle>
+  <p:extLst>
+    <p:ext uri="{EFAFB233-063F-42B5-8137-9DF3F51BA10A}">
+      <p15:sldGuideLst xmlns:p15="http://schemas.microsoft.com/office/powerpoint/2012/main"/>
+    </p:ext>
+  </p:extLst>
 </p:presentation>
 </file>
 
@@ -260,7 +269,7 @@
           <a:p>
             <a:fld id="{78DEFF46-62C9-462D-83AA-D005489914C3}" type="datetimeFigureOut">
               <a:rPr lang="en-US" smtClean="0"/>
-              <a:t>10/27/2020</a:t>
+              <a:t>11/2/2020</a:t>
             </a:fld>
             <a:endParaRPr lang="en-US"/>
           </a:p>
@@ -458,7 +467,7 @@
           <a:p>
             <a:fld id="{78DEFF46-62C9-462D-83AA-D005489914C3}" type="datetimeFigureOut">
               <a:rPr lang="en-US" smtClean="0"/>
-              <a:t>10/27/2020</a:t>
+              <a:t>11/2/2020</a:t>
             </a:fld>
             <a:endParaRPr lang="en-US"/>
           </a:p>
@@ -666,7 +675,7 @@
           <a:p>
             <a:fld id="{78DEFF46-62C9-462D-83AA-D005489914C3}" type="datetimeFigureOut">
               <a:rPr lang="en-US" smtClean="0"/>
-              <a:t>10/27/2020</a:t>
+              <a:t>11/2/2020</a:t>
             </a:fld>
             <a:endParaRPr lang="en-US"/>
           </a:p>
@@ -864,7 +873,7 @@
           <a:p>
             <a:fld id="{78DEFF46-62C9-462D-83AA-D005489914C3}" type="datetimeFigureOut">
               <a:rPr lang="en-US" smtClean="0"/>
-              <a:t>10/27/2020</a:t>
+              <a:t>11/2/2020</a:t>
             </a:fld>
             <a:endParaRPr lang="en-US"/>
           </a:p>
@@ -1139,7 +1148,7 @@
           <a:p>
             <a:fld id="{78DEFF46-62C9-462D-83AA-D005489914C3}" type="datetimeFigureOut">
               <a:rPr lang="en-US" smtClean="0"/>
-              <a:t>10/27/2020</a:t>
+              <a:t>11/2/2020</a:t>
             </a:fld>
             <a:endParaRPr lang="en-US"/>
           </a:p>
@@ -1404,7 +1413,7 @@
           <a:p>
             <a:fld id="{78DEFF46-62C9-462D-83AA-D005489914C3}" type="datetimeFigureOut">
               <a:rPr lang="en-US" smtClean="0"/>
-              <a:t>10/27/2020</a:t>
+              <a:t>11/2/2020</a:t>
             </a:fld>
             <a:endParaRPr lang="en-US"/>
           </a:p>
@@ -1816,7 +1825,7 @@
           <a:p>
             <a:fld id="{78DEFF46-62C9-462D-83AA-D005489914C3}" type="datetimeFigureOut">
               <a:rPr lang="en-US" smtClean="0"/>
-              <a:t>10/27/2020</a:t>
+              <a:t>11/2/2020</a:t>
             </a:fld>
             <a:endParaRPr lang="en-US"/>
           </a:p>
@@ -1957,7 +1966,7 @@
           <a:p>
             <a:fld id="{78DEFF46-62C9-462D-83AA-D005489914C3}" type="datetimeFigureOut">
               <a:rPr lang="en-US" smtClean="0"/>
-              <a:t>10/27/2020</a:t>
+              <a:t>11/2/2020</a:t>
             </a:fld>
             <a:endParaRPr lang="en-US"/>
           </a:p>
@@ -2070,7 +2079,7 @@
           <a:p>
             <a:fld id="{78DEFF46-62C9-462D-83AA-D005489914C3}" type="datetimeFigureOut">
               <a:rPr lang="en-US" smtClean="0"/>
-              <a:t>10/27/2020</a:t>
+              <a:t>11/2/2020</a:t>
             </a:fld>
             <a:endParaRPr lang="en-US"/>
           </a:p>
@@ -2381,7 +2390,7 @@
           <a:p>
             <a:fld id="{78DEFF46-62C9-462D-83AA-D005489914C3}" type="datetimeFigureOut">
               <a:rPr lang="en-US" smtClean="0"/>
-              <a:t>10/27/2020</a:t>
+              <a:t>11/2/2020</a:t>
             </a:fld>
             <a:endParaRPr lang="en-US"/>
           </a:p>
@@ -2669,7 +2678,7 @@
           <a:p>
             <a:fld id="{78DEFF46-62C9-462D-83AA-D005489914C3}" type="datetimeFigureOut">
               <a:rPr lang="en-US" smtClean="0"/>
-              <a:t>10/27/2020</a:t>
+              <a:t>11/2/2020</a:t>
             </a:fld>
             <a:endParaRPr lang="en-US"/>
           </a:p>
@@ -2910,7 +2919,7 @@
           <a:p>
             <a:fld id="{78DEFF46-62C9-462D-83AA-D005489914C3}" type="datetimeFigureOut">
               <a:rPr lang="en-US" smtClean="0"/>
-              <a:t>10/27/2020</a:t>
+              <a:t>11/2/2020</a:t>
             </a:fld>
             <a:endParaRPr lang="en-US"/>
           </a:p>
@@ -3389,7 +3398,7 @@
           <a:p>
             <a:r>
               <a:rPr lang="en-US" dirty="0"/>
-              <a:t>27 Oct 2020</a:t>
+              <a:t>2 November 2020</a:t>
             </a:r>
           </a:p>
         </p:txBody>
@@ -3398,6 +3407,222 @@
     <p:extLst>
       <p:ext uri="{BB962C8B-B14F-4D97-AF65-F5344CB8AC3E}">
         <p14:creationId xmlns:p14="http://schemas.microsoft.com/office/powerpoint/2010/main" val="2551513583"/>
+      </p:ext>
+    </p:extLst>
+  </p:cSld>
+  <p:clrMapOvr>
+    <a:masterClrMapping/>
+  </p:clrMapOvr>
+</p:sld>
+</file>
+
+<file path=ppt/slides/slide10.xml><?xml version="1.0" encoding="utf-8"?>
+<p:sld xmlns:a="http://schemas.openxmlformats.org/drawingml/2006/main" xmlns:r="http://schemas.openxmlformats.org/officeDocument/2006/relationships" xmlns:p="http://schemas.openxmlformats.org/presentationml/2006/main">
+  <p:cSld>
+    <p:spTree>
+      <p:nvGrpSpPr>
+        <p:cNvPr id="1" name=""/>
+        <p:cNvGrpSpPr/>
+        <p:nvPr/>
+      </p:nvGrpSpPr>
+      <p:grpSpPr>
+        <a:xfrm>
+          <a:off x="0" y="0"/>
+          <a:ext cx="0" cy="0"/>
+          <a:chOff x="0" y="0"/>
+          <a:chExt cx="0" cy="0"/>
+        </a:xfrm>
+      </p:grpSpPr>
+      <p:sp>
+        <p:nvSpPr>
+          <p:cNvPr id="4" name="TextBox 3">
+            <a:extLst>
+              <a:ext uri="{FF2B5EF4-FFF2-40B4-BE49-F238E27FC236}">
+                <a16:creationId xmlns:a16="http://schemas.microsoft.com/office/drawing/2014/main" id="{BCC1FD77-FAB1-4463-9C46-EB379A9AE9FC}"/>
+              </a:ext>
+            </a:extLst>
+          </p:cNvPr>
+          <p:cNvSpPr txBox="1"/>
+          <p:nvPr/>
+        </p:nvSpPr>
+        <p:spPr>
+          <a:xfrm>
+            <a:off x="0" y="38040"/>
+            <a:ext cx="12192000" cy="400110"/>
+          </a:xfrm>
+          <a:prstGeom prst="rect">
+            <a:avLst/>
+          </a:prstGeom>
+          <a:noFill/>
+        </p:spPr>
+        <p:txBody>
+          <a:bodyPr wrap="square" rtlCol="0">
+            <a:spAutoFit/>
+          </a:bodyPr>
+          <a:lstStyle/>
+          <a:p>
+            <a:pPr algn="ctr"/>
+            <a:r>
+              <a:rPr lang="en-US" sz="2000" b="0" i="0" dirty="0">
+                <a:solidFill>
+                  <a:srgbClr val="333333"/>
+                </a:solidFill>
+                <a:effectLst/>
+                <a:latin typeface="Helvetica Neue"/>
+              </a:rPr>
+              <a:t>Dirichlet Multinomial Mixtures Community typing</a:t>
+            </a:r>
+          </a:p>
+        </p:txBody>
+      </p:sp>
+      <p:pic>
+        <p:nvPicPr>
+          <p:cNvPr id="8" name="Picture 7" descr="A picture containing table&#10;&#10;Description automatically generated">
+            <a:extLst>
+              <a:ext uri="{FF2B5EF4-FFF2-40B4-BE49-F238E27FC236}">
+                <a16:creationId xmlns:a16="http://schemas.microsoft.com/office/drawing/2014/main" id="{2F25E0F1-CD57-4982-8F5B-95E4CD53417B}"/>
+              </a:ext>
+            </a:extLst>
+          </p:cNvPr>
+          <p:cNvPicPr>
+            <a:picLocks noChangeAspect="1"/>
+          </p:cNvPicPr>
+          <p:nvPr/>
+        </p:nvPicPr>
+        <p:blipFill>
+          <a:blip r:embed="rId2">
+            <a:extLst>
+              <a:ext uri="{28A0092B-C50C-407E-A947-70E740481C1C}">
+                <a14:useLocalDpi xmlns:a14="http://schemas.microsoft.com/office/drawing/2010/main" val="0"/>
+              </a:ext>
+            </a:extLst>
+          </a:blip>
+          <a:stretch>
+            <a:fillRect/>
+          </a:stretch>
+        </p:blipFill>
+        <p:spPr>
+          <a:xfrm>
+            <a:off x="0" y="419100"/>
+            <a:ext cx="6438900" cy="6438900"/>
+          </a:xfrm>
+          <a:prstGeom prst="rect">
+            <a:avLst/>
+          </a:prstGeom>
+        </p:spPr>
+      </p:pic>
+    </p:spTree>
+    <p:extLst>
+      <p:ext uri="{BB962C8B-B14F-4D97-AF65-F5344CB8AC3E}">
+        <p14:creationId xmlns:p14="http://schemas.microsoft.com/office/powerpoint/2010/main" val="3745655191"/>
+      </p:ext>
+    </p:extLst>
+  </p:cSld>
+  <p:clrMapOvr>
+    <a:masterClrMapping/>
+  </p:clrMapOvr>
+</p:sld>
+</file>
+
+<file path=ppt/slides/slide11.xml><?xml version="1.0" encoding="utf-8"?>
+<p:sld xmlns:a="http://schemas.openxmlformats.org/drawingml/2006/main" xmlns:r="http://schemas.openxmlformats.org/officeDocument/2006/relationships" xmlns:p="http://schemas.openxmlformats.org/presentationml/2006/main">
+  <p:cSld>
+    <p:spTree>
+      <p:nvGrpSpPr>
+        <p:cNvPr id="1" name=""/>
+        <p:cNvGrpSpPr/>
+        <p:nvPr/>
+      </p:nvGrpSpPr>
+      <p:grpSpPr>
+        <a:xfrm>
+          <a:off x="0" y="0"/>
+          <a:ext cx="0" cy="0"/>
+          <a:chOff x="0" y="0"/>
+          <a:chExt cx="0" cy="0"/>
+        </a:xfrm>
+      </p:grpSpPr>
+      <p:sp>
+        <p:nvSpPr>
+          <p:cNvPr id="4" name="TextBox 3">
+            <a:extLst>
+              <a:ext uri="{FF2B5EF4-FFF2-40B4-BE49-F238E27FC236}">
+                <a16:creationId xmlns:a16="http://schemas.microsoft.com/office/drawing/2014/main" id="{BCC1FD77-FAB1-4463-9C46-EB379A9AE9FC}"/>
+              </a:ext>
+            </a:extLst>
+          </p:cNvPr>
+          <p:cNvSpPr txBox="1"/>
+          <p:nvPr/>
+        </p:nvSpPr>
+        <p:spPr>
+          <a:xfrm>
+            <a:off x="0" y="38040"/>
+            <a:ext cx="12192000" cy="400110"/>
+          </a:xfrm>
+          <a:prstGeom prst="rect">
+            <a:avLst/>
+          </a:prstGeom>
+          <a:noFill/>
+        </p:spPr>
+        <p:txBody>
+          <a:bodyPr wrap="square" rtlCol="0">
+            <a:spAutoFit/>
+          </a:bodyPr>
+          <a:lstStyle/>
+          <a:p>
+            <a:pPr algn="ctr"/>
+            <a:r>
+              <a:rPr lang="en-US" sz="2000" b="0" i="0" dirty="0">
+                <a:solidFill>
+                  <a:srgbClr val="333333"/>
+                </a:solidFill>
+                <a:effectLst/>
+                <a:latin typeface="Helvetica Neue"/>
+              </a:rPr>
+              <a:t>Dirichlet Multinomial Mixtures Community typing</a:t>
+            </a:r>
+          </a:p>
+        </p:txBody>
+      </p:sp>
+      <p:pic>
+        <p:nvPicPr>
+          <p:cNvPr id="3" name="Picture 2" descr="Graphical user interface&#10;&#10;Description automatically generated">
+            <a:extLst>
+              <a:ext uri="{FF2B5EF4-FFF2-40B4-BE49-F238E27FC236}">
+                <a16:creationId xmlns:a16="http://schemas.microsoft.com/office/drawing/2014/main" id="{55BAF2E6-5A50-4C47-9098-6E8C79CAA2BB}"/>
+              </a:ext>
+            </a:extLst>
+          </p:cNvPr>
+          <p:cNvPicPr>
+            <a:picLocks noChangeAspect="1"/>
+          </p:cNvPicPr>
+          <p:nvPr/>
+        </p:nvPicPr>
+        <p:blipFill>
+          <a:blip r:embed="rId2">
+            <a:extLst>
+              <a:ext uri="{28A0092B-C50C-407E-A947-70E740481C1C}">
+                <a14:useLocalDpi xmlns:a14="http://schemas.microsoft.com/office/drawing/2010/main" val="0"/>
+              </a:ext>
+            </a:extLst>
+          </a:blip>
+          <a:stretch>
+            <a:fillRect/>
+          </a:stretch>
+        </p:blipFill>
+        <p:spPr>
+          <a:xfrm>
+            <a:off x="0" y="381000"/>
+            <a:ext cx="12192000" cy="6096000"/>
+          </a:xfrm>
+          <a:prstGeom prst="rect">
+            <a:avLst/>
+          </a:prstGeom>
+        </p:spPr>
+      </p:pic>
+    </p:spTree>
+    <p:extLst>
+      <p:ext uri="{BB962C8B-B14F-4D97-AF65-F5344CB8AC3E}">
+        <p14:creationId xmlns:p14="http://schemas.microsoft.com/office/powerpoint/2010/main" val="61711871"/>
       </p:ext>
     </p:extLst>
   </p:cSld>
@@ -3426,6 +3651,1198 @@
       </p:grpSpPr>
       <p:pic>
         <p:nvPicPr>
+          <p:cNvPr id="5" name="Picture 4" descr="Chart, bar chart&#10;&#10;Description automatically generated">
+            <a:extLst>
+              <a:ext uri="{FF2B5EF4-FFF2-40B4-BE49-F238E27FC236}">
+                <a16:creationId xmlns:a16="http://schemas.microsoft.com/office/drawing/2014/main" id="{420F4F7C-B81B-46CE-B196-45D96F8AA372}"/>
+              </a:ext>
+            </a:extLst>
+          </p:cNvPr>
+          <p:cNvPicPr>
+            <a:picLocks noChangeAspect="1"/>
+          </p:cNvPicPr>
+          <p:nvPr/>
+        </p:nvPicPr>
+        <p:blipFill rotWithShape="1">
+          <a:blip r:embed="rId2">
+            <a:extLst>
+              <a:ext uri="{28A0092B-C50C-407E-A947-70E740481C1C}">
+                <a14:useLocalDpi xmlns:a14="http://schemas.microsoft.com/office/drawing/2010/main" val="0"/>
+              </a:ext>
+            </a:extLst>
+          </a:blip>
+          <a:srcRect b="5792"/>
+          <a:stretch/>
+        </p:blipFill>
+        <p:spPr>
+          <a:xfrm>
+            <a:off x="0" y="3411767"/>
+            <a:ext cx="5487166" cy="3446233"/>
+          </a:xfrm>
+          <a:prstGeom prst="rect">
+            <a:avLst/>
+          </a:prstGeom>
+        </p:spPr>
+      </p:pic>
+      <p:pic>
+        <p:nvPicPr>
+          <p:cNvPr id="7" name="Picture 6" descr="Chart, bar chart&#10;&#10;Description automatically generated">
+            <a:extLst>
+              <a:ext uri="{FF2B5EF4-FFF2-40B4-BE49-F238E27FC236}">
+                <a16:creationId xmlns:a16="http://schemas.microsoft.com/office/drawing/2014/main" id="{40FC8400-9BF9-4F01-813F-60DEC18A1F3D}"/>
+              </a:ext>
+            </a:extLst>
+          </p:cNvPr>
+          <p:cNvPicPr>
+            <a:picLocks noChangeAspect="1"/>
+          </p:cNvPicPr>
+          <p:nvPr/>
+        </p:nvPicPr>
+        <p:blipFill rotWithShape="1">
+          <a:blip r:embed="rId3">
+            <a:extLst>
+              <a:ext uri="{28A0092B-C50C-407E-A947-70E740481C1C}">
+                <a14:useLocalDpi xmlns:a14="http://schemas.microsoft.com/office/drawing/2010/main" val="0"/>
+              </a:ext>
+            </a:extLst>
+          </a:blip>
+          <a:srcRect b="5792"/>
+          <a:stretch/>
+        </p:blipFill>
+        <p:spPr>
+          <a:xfrm>
+            <a:off x="0" y="0"/>
+            <a:ext cx="5487166" cy="3446234"/>
+          </a:xfrm>
+          <a:prstGeom prst="rect">
+            <a:avLst/>
+          </a:prstGeom>
+        </p:spPr>
+      </p:pic>
+      <p:sp>
+        <p:nvSpPr>
+          <p:cNvPr id="8" name="Rectangle 1">
+            <a:extLst>
+              <a:ext uri="{FF2B5EF4-FFF2-40B4-BE49-F238E27FC236}">
+                <a16:creationId xmlns:a16="http://schemas.microsoft.com/office/drawing/2014/main" id="{8CA44844-274C-43DC-9FDA-5E6C23AB4779}"/>
+              </a:ext>
+            </a:extLst>
+          </p:cNvPr>
+          <p:cNvSpPr>
+            <a:spLocks noChangeArrowheads="1"/>
+          </p:cNvSpPr>
+          <p:nvPr/>
+        </p:nvSpPr>
+        <p:spPr bwMode="auto">
+          <a:xfrm>
+            <a:off x="5413276" y="620144"/>
+            <a:ext cx="6557052" cy="1200329"/>
+          </a:xfrm>
+          <a:prstGeom prst="rect">
+            <a:avLst/>
+          </a:prstGeom>
+          <a:solidFill>
+            <a:srgbClr val="202020"/>
+          </a:solidFill>
+          <a:ln>
+            <a:noFill/>
+          </a:ln>
+          <a:effectLst/>
+          <a:extLst>
+            <a:ext uri="{91240B29-F687-4F45-9708-019B960494DF}">
+              <a14:hiddenLine xmlns:a14="http://schemas.microsoft.com/office/drawing/2010/main" w="9525">
+                <a:solidFill>
+                  <a:schemeClr val="tx1"/>
+                </a:solidFill>
+                <a:miter lim="800000"/>
+                <a:headEnd/>
+                <a:tailEnd/>
+              </a14:hiddenLine>
+            </a:ext>
+            <a:ext uri="{AF507438-7753-43E0-B8FC-AC1667EBCBE1}">
+              <a14:hiddenEffects xmlns:a14="http://schemas.microsoft.com/office/drawing/2010/main">
+                <a:effectLst>
+                  <a:outerShdw dist="35921" dir="2700000" algn="ctr" rotWithShape="0">
+                    <a:schemeClr val="bg2"/>
+                  </a:outerShdw>
+                </a:effectLst>
+              </a14:hiddenEffects>
+            </a:ext>
+          </a:extLst>
+        </p:spPr>
+        <p:txBody>
+          <a:bodyPr vert="horz" wrap="square" lIns="0" tIns="0" rIns="0" bIns="0" numCol="1" anchor="ctr" anchorCtr="0" compatLnSpc="1">
+            <a:prstTxWarp prst="textNoShape">
+              <a:avLst/>
+            </a:prstTxWarp>
+            <a:spAutoFit/>
+          </a:bodyPr>
+          <a:lstStyle/>
+          <a:p>
+            <a:pPr marL="285750" marR="0" lvl="0" indent="-285750" algn="l" defTabSz="914400" rtl="0" eaLnBrk="0" fontAlgn="base" latinLnBrk="0" hangingPunct="0">
+              <a:lnSpc>
+                <a:spcPct val="100000"/>
+              </a:lnSpc>
+              <a:spcBef>
+                <a:spcPct val="0"/>
+              </a:spcBef>
+              <a:spcAft>
+                <a:spcPct val="0"/>
+              </a:spcAft>
+              <a:buClrTx/>
+              <a:buSzTx/>
+              <a:buFont typeface="Wingdings" panose="05000000000000000000" pitchFamily="2" charset="2"/>
+              <a:buChar char="Ø"/>
+              <a:tabLst/>
+            </a:pPr>
+            <a:r>
+              <a:rPr kumimoji="0" lang="en-US" altLang="en-US" sz="1300" b="0" i="0" u="none" strike="noStrike" cap="none" normalizeH="0" baseline="0" dirty="0" err="1">
+                <a:ln>
+                  <a:noFill/>
+                </a:ln>
+                <a:solidFill>
+                  <a:srgbClr val="CDA869"/>
+                </a:solidFill>
+                <a:effectLst/>
+                <a:latin typeface="Lucida Console" panose="020B0609040504020204" pitchFamily="49" charset="0"/>
+              </a:rPr>
+              <a:t>pseq_prune</a:t>
+            </a:r>
+            <a:r>
+              <a:rPr kumimoji="0" lang="en-US" altLang="en-US" sz="1300" b="0" i="0" u="none" strike="noStrike" cap="none" normalizeH="0" baseline="0" dirty="0">
+                <a:ln>
+                  <a:noFill/>
+                </a:ln>
+                <a:solidFill>
+                  <a:srgbClr val="CDA869"/>
+                </a:solidFill>
+                <a:effectLst/>
+                <a:latin typeface="Lucida Console" panose="020B0609040504020204" pitchFamily="49" charset="0"/>
+              </a:rPr>
+              <a:t> </a:t>
+            </a:r>
+          </a:p>
+          <a:p>
+            <a:pPr marL="285750" marR="0" lvl="0" indent="-285750" algn="l" defTabSz="914400" rtl="0" eaLnBrk="0" fontAlgn="base" latinLnBrk="0" hangingPunct="0">
+              <a:lnSpc>
+                <a:spcPct val="100000"/>
+              </a:lnSpc>
+              <a:spcBef>
+                <a:spcPct val="0"/>
+              </a:spcBef>
+              <a:spcAft>
+                <a:spcPct val="0"/>
+              </a:spcAft>
+              <a:buClrTx/>
+              <a:buSzTx/>
+              <a:buFont typeface="Wingdings" panose="05000000000000000000" pitchFamily="2" charset="2"/>
+              <a:buChar char="Ø"/>
+              <a:tabLst/>
+            </a:pPr>
+            <a:r>
+              <a:rPr kumimoji="0" lang="en-US" altLang="en-US" sz="1300" b="0" i="0" u="none" strike="noStrike" cap="none" normalizeH="0" baseline="0" dirty="0" err="1">
+                <a:ln>
+                  <a:noFill/>
+                </a:ln>
+                <a:solidFill>
+                  <a:srgbClr val="E6E1DC"/>
+                </a:solidFill>
+                <a:effectLst/>
+                <a:latin typeface="Lucida Console" panose="020B0609040504020204" pitchFamily="49" charset="0"/>
+              </a:rPr>
+              <a:t>phyloseq</a:t>
+            </a:r>
+            <a:r>
+              <a:rPr kumimoji="0" lang="en-US" altLang="en-US" sz="1300" b="0" i="0" u="none" strike="noStrike" cap="none" normalizeH="0" baseline="0" dirty="0">
+                <a:ln>
+                  <a:noFill/>
+                </a:ln>
+                <a:solidFill>
+                  <a:srgbClr val="E6E1DC"/>
+                </a:solidFill>
+                <a:effectLst/>
+                <a:latin typeface="Lucida Console" panose="020B0609040504020204" pitchFamily="49" charset="0"/>
+              </a:rPr>
+              <a:t>-class experiment-level object </a:t>
+            </a:r>
+            <a:r>
+              <a:rPr kumimoji="0" lang="en-US" altLang="en-US" sz="1300" b="0" i="0" u="none" strike="noStrike" cap="none" normalizeH="0" baseline="0" dirty="0" err="1">
+                <a:ln>
+                  <a:noFill/>
+                </a:ln>
+                <a:solidFill>
+                  <a:srgbClr val="E6E1DC"/>
+                </a:solidFill>
+                <a:effectLst/>
+                <a:latin typeface="Lucida Console" panose="020B0609040504020204" pitchFamily="49" charset="0"/>
+              </a:rPr>
+              <a:t>otu_table</a:t>
+            </a:r>
+            <a:r>
+              <a:rPr kumimoji="0" lang="en-US" altLang="en-US" sz="1300" b="0" i="0" u="none" strike="noStrike" cap="none" normalizeH="0" baseline="0" dirty="0">
+                <a:ln>
+                  <a:noFill/>
+                </a:ln>
+                <a:solidFill>
+                  <a:srgbClr val="E6E1DC"/>
+                </a:solidFill>
+                <a:effectLst/>
+                <a:latin typeface="Lucida Console" panose="020B0609040504020204" pitchFamily="49" charset="0"/>
+              </a:rPr>
+              <a:t>() </a:t>
+            </a:r>
+          </a:p>
+          <a:p>
+            <a:pPr marL="285750" marR="0" lvl="0" indent="-285750" algn="l" defTabSz="914400" rtl="0" eaLnBrk="0" fontAlgn="base" latinLnBrk="0" hangingPunct="0">
+              <a:lnSpc>
+                <a:spcPct val="100000"/>
+              </a:lnSpc>
+              <a:spcBef>
+                <a:spcPct val="0"/>
+              </a:spcBef>
+              <a:spcAft>
+                <a:spcPct val="0"/>
+              </a:spcAft>
+              <a:buClrTx/>
+              <a:buSzTx/>
+              <a:buFont typeface="Wingdings" panose="05000000000000000000" pitchFamily="2" charset="2"/>
+              <a:buChar char="Ø"/>
+              <a:tabLst/>
+            </a:pPr>
+            <a:r>
+              <a:rPr kumimoji="0" lang="en-US" altLang="en-US" sz="1300" b="0" i="0" u="none" strike="noStrike" cap="none" normalizeH="0" baseline="0" dirty="0">
+                <a:ln>
+                  <a:noFill/>
+                </a:ln>
+                <a:solidFill>
+                  <a:srgbClr val="E6E1DC"/>
+                </a:solidFill>
+                <a:effectLst/>
+                <a:latin typeface="Lucida Console" panose="020B0609040504020204" pitchFamily="49" charset="0"/>
+              </a:rPr>
+              <a:t>OTU Table: [ 332 taxa and 134 samples ] </a:t>
+            </a:r>
+          </a:p>
+          <a:p>
+            <a:pPr marL="285750" marR="0" lvl="0" indent="-285750" algn="l" defTabSz="914400" rtl="0" eaLnBrk="0" fontAlgn="base" latinLnBrk="0" hangingPunct="0">
+              <a:lnSpc>
+                <a:spcPct val="100000"/>
+              </a:lnSpc>
+              <a:spcBef>
+                <a:spcPct val="0"/>
+              </a:spcBef>
+              <a:spcAft>
+                <a:spcPct val="0"/>
+              </a:spcAft>
+              <a:buClrTx/>
+              <a:buSzTx/>
+              <a:buFont typeface="Wingdings" panose="05000000000000000000" pitchFamily="2" charset="2"/>
+              <a:buChar char="Ø"/>
+              <a:tabLst/>
+            </a:pPr>
+            <a:r>
+              <a:rPr kumimoji="0" lang="en-US" altLang="en-US" sz="1300" b="0" i="0" u="none" strike="noStrike" cap="none" normalizeH="0" baseline="0" dirty="0" err="1">
+                <a:ln>
+                  <a:noFill/>
+                </a:ln>
+                <a:solidFill>
+                  <a:srgbClr val="E6E1DC"/>
+                </a:solidFill>
+                <a:effectLst/>
+                <a:latin typeface="Lucida Console" panose="020B0609040504020204" pitchFamily="49" charset="0"/>
+              </a:rPr>
+              <a:t>sample_data</a:t>
+            </a:r>
+            <a:r>
+              <a:rPr kumimoji="0" lang="en-US" altLang="en-US" sz="1300" b="0" i="0" u="none" strike="noStrike" cap="none" normalizeH="0" baseline="0" dirty="0">
+                <a:ln>
+                  <a:noFill/>
+                </a:ln>
+                <a:solidFill>
+                  <a:srgbClr val="E6E1DC"/>
+                </a:solidFill>
+                <a:effectLst/>
+                <a:latin typeface="Lucida Console" panose="020B0609040504020204" pitchFamily="49" charset="0"/>
+              </a:rPr>
+              <a:t>() Sample Data: [ 134 samples by 70 sample variables ] </a:t>
+            </a:r>
+          </a:p>
+          <a:p>
+            <a:pPr marL="285750" marR="0" lvl="0" indent="-285750" algn="l" defTabSz="914400" rtl="0" eaLnBrk="0" fontAlgn="base" latinLnBrk="0" hangingPunct="0">
+              <a:lnSpc>
+                <a:spcPct val="100000"/>
+              </a:lnSpc>
+              <a:spcBef>
+                <a:spcPct val="0"/>
+              </a:spcBef>
+              <a:spcAft>
+                <a:spcPct val="0"/>
+              </a:spcAft>
+              <a:buClrTx/>
+              <a:buSzTx/>
+              <a:buFont typeface="Wingdings" panose="05000000000000000000" pitchFamily="2" charset="2"/>
+              <a:buChar char="Ø"/>
+              <a:tabLst/>
+            </a:pPr>
+            <a:r>
+              <a:rPr kumimoji="0" lang="en-US" altLang="en-US" sz="1300" b="0" i="0" u="none" strike="noStrike" cap="none" normalizeH="0" baseline="0" dirty="0" err="1">
+                <a:ln>
+                  <a:noFill/>
+                </a:ln>
+                <a:solidFill>
+                  <a:srgbClr val="E6E1DC"/>
+                </a:solidFill>
+                <a:effectLst/>
+                <a:latin typeface="Lucida Console" panose="020B0609040504020204" pitchFamily="49" charset="0"/>
+              </a:rPr>
+              <a:t>tax_table</a:t>
+            </a:r>
+            <a:r>
+              <a:rPr kumimoji="0" lang="en-US" altLang="en-US" sz="1300" b="0" i="0" u="none" strike="noStrike" cap="none" normalizeH="0" baseline="0" dirty="0">
+                <a:ln>
+                  <a:noFill/>
+                </a:ln>
+                <a:solidFill>
+                  <a:srgbClr val="E6E1DC"/>
+                </a:solidFill>
+                <a:effectLst/>
+                <a:latin typeface="Lucida Console" panose="020B0609040504020204" pitchFamily="49" charset="0"/>
+              </a:rPr>
+              <a:t>() Taxonomy Table: [ 332 taxa by 3 taxonomic ranks ]</a:t>
+            </a:r>
+            <a:endParaRPr kumimoji="0" lang="en-US" altLang="en-US" sz="1800" b="0" i="0" u="none" strike="noStrike" cap="none" normalizeH="0" baseline="0" dirty="0">
+              <a:ln>
+                <a:noFill/>
+              </a:ln>
+              <a:solidFill>
+                <a:schemeClr val="tx1"/>
+              </a:solidFill>
+              <a:effectLst/>
+              <a:latin typeface="Arial" panose="020B0604020202020204" pitchFamily="34" charset="0"/>
+            </a:endParaRPr>
+          </a:p>
+        </p:txBody>
+      </p:sp>
+      <p:pic>
+        <p:nvPicPr>
+          <p:cNvPr id="10" name="Picture 9" descr="Chart, line chart&#10;&#10;Description automatically generated">
+            <a:extLst>
+              <a:ext uri="{FF2B5EF4-FFF2-40B4-BE49-F238E27FC236}">
+                <a16:creationId xmlns:a16="http://schemas.microsoft.com/office/drawing/2014/main" id="{6D65076D-09DA-4C10-943C-7A9D5B44A6BE}"/>
+              </a:ext>
+            </a:extLst>
+          </p:cNvPr>
+          <p:cNvPicPr>
+            <a:picLocks noChangeAspect="1"/>
+          </p:cNvPicPr>
+          <p:nvPr/>
+        </p:nvPicPr>
+        <p:blipFill>
+          <a:blip r:embed="rId4">
+            <a:extLst>
+              <a:ext uri="{28A0092B-C50C-407E-A947-70E740481C1C}">
+                <a14:useLocalDpi xmlns:a14="http://schemas.microsoft.com/office/drawing/2010/main" val="0"/>
+              </a:ext>
+            </a:extLst>
+          </a:blip>
+          <a:stretch>
+            <a:fillRect/>
+          </a:stretch>
+        </p:blipFill>
+        <p:spPr>
+          <a:xfrm>
+            <a:off x="5907794" y="2013261"/>
+            <a:ext cx="5715798" cy="3810532"/>
+          </a:xfrm>
+          <a:prstGeom prst="rect">
+            <a:avLst/>
+          </a:prstGeom>
+        </p:spPr>
+      </p:pic>
+      <p:pic>
+        <p:nvPicPr>
+          <p:cNvPr id="12" name="Picture 11" descr="Chart, line chart&#10;&#10;Description automatically generated">
+            <a:extLst>
+              <a:ext uri="{FF2B5EF4-FFF2-40B4-BE49-F238E27FC236}">
+                <a16:creationId xmlns:a16="http://schemas.microsoft.com/office/drawing/2014/main" id="{DC078A80-6487-4E21-B955-F8A4106E11C0}"/>
+              </a:ext>
+            </a:extLst>
+          </p:cNvPr>
+          <p:cNvPicPr>
+            <a:picLocks noChangeAspect="1"/>
+          </p:cNvPicPr>
+          <p:nvPr/>
+        </p:nvPicPr>
+        <p:blipFill>
+          <a:blip r:embed="rId5">
+            <a:extLst>
+              <a:ext uri="{28A0092B-C50C-407E-A947-70E740481C1C}">
+                <a14:useLocalDpi xmlns:a14="http://schemas.microsoft.com/office/drawing/2010/main" val="0"/>
+              </a:ext>
+            </a:extLst>
+          </a:blip>
+          <a:stretch>
+            <a:fillRect/>
+          </a:stretch>
+        </p:blipFill>
+        <p:spPr>
+          <a:xfrm>
+            <a:off x="5907794" y="2490348"/>
+            <a:ext cx="5715798" cy="3810532"/>
+          </a:xfrm>
+          <a:prstGeom prst="rect">
+            <a:avLst/>
+          </a:prstGeom>
+        </p:spPr>
+      </p:pic>
+      <p:sp>
+        <p:nvSpPr>
+          <p:cNvPr id="14" name="TextBox 13">
+            <a:extLst>
+              <a:ext uri="{FF2B5EF4-FFF2-40B4-BE49-F238E27FC236}">
+                <a16:creationId xmlns:a16="http://schemas.microsoft.com/office/drawing/2014/main" id="{0276906F-3DDD-4F8D-850F-F62F6D3B4AFD}"/>
+              </a:ext>
+            </a:extLst>
+          </p:cNvPr>
+          <p:cNvSpPr txBox="1"/>
+          <p:nvPr/>
+        </p:nvSpPr>
+        <p:spPr>
+          <a:xfrm>
+            <a:off x="5717693" y="154418"/>
+            <a:ext cx="6096000" cy="369332"/>
+          </a:xfrm>
+          <a:prstGeom prst="rect">
+            <a:avLst/>
+          </a:prstGeom>
+          <a:noFill/>
+        </p:spPr>
+        <p:txBody>
+          <a:bodyPr wrap="square">
+            <a:spAutoFit/>
+          </a:bodyPr>
+          <a:lstStyle/>
+          <a:p>
+            <a:pPr algn="ctr"/>
+            <a:r>
+              <a:rPr lang="en-US" sz="1800" b="0" i="0" dirty="0">
+                <a:solidFill>
+                  <a:srgbClr val="333333"/>
+                </a:solidFill>
+                <a:effectLst/>
+                <a:latin typeface="Helvetica Neue"/>
+              </a:rPr>
+              <a:t>Subset </a:t>
+            </a:r>
+            <a:r>
+              <a:rPr lang="en-US" sz="1800" b="0" i="0" dirty="0" err="1">
+                <a:solidFill>
+                  <a:srgbClr val="333333"/>
+                </a:solidFill>
+                <a:effectLst/>
+                <a:latin typeface="Helvetica Neue"/>
+              </a:rPr>
+              <a:t>GO_Terms</a:t>
+            </a:r>
+            <a:r>
+              <a:rPr lang="en-US" sz="1800" b="0" i="0" dirty="0">
+                <a:solidFill>
+                  <a:srgbClr val="333333"/>
+                </a:solidFill>
+                <a:effectLst/>
+                <a:latin typeface="Helvetica Neue"/>
+              </a:rPr>
+              <a:t> for computational speed</a:t>
+            </a:r>
+            <a:endParaRPr lang="en-US" dirty="0"/>
+          </a:p>
+        </p:txBody>
+      </p:sp>
+      <p:sp>
+        <p:nvSpPr>
+          <p:cNvPr id="15" name="TextBox 14">
+            <a:extLst>
+              <a:ext uri="{FF2B5EF4-FFF2-40B4-BE49-F238E27FC236}">
+                <a16:creationId xmlns:a16="http://schemas.microsoft.com/office/drawing/2014/main" id="{D950A21C-C3B9-4204-B997-46A4AC97B71E}"/>
+              </a:ext>
+            </a:extLst>
+          </p:cNvPr>
+          <p:cNvSpPr txBox="1"/>
+          <p:nvPr/>
+        </p:nvSpPr>
+        <p:spPr>
+          <a:xfrm>
+            <a:off x="5948220" y="2431454"/>
+            <a:ext cx="6096000" cy="369332"/>
+          </a:xfrm>
+          <a:prstGeom prst="rect">
+            <a:avLst/>
+          </a:prstGeom>
+          <a:noFill/>
+        </p:spPr>
+        <p:txBody>
+          <a:bodyPr wrap="square">
+            <a:spAutoFit/>
+          </a:bodyPr>
+          <a:lstStyle/>
+          <a:p>
+            <a:pPr algn="ctr"/>
+            <a:r>
+              <a:rPr lang="en-US" sz="1800" b="0" i="0">
+                <a:solidFill>
+                  <a:srgbClr val="333333"/>
+                </a:solidFill>
+                <a:effectLst/>
+                <a:latin typeface="Helvetica Neue"/>
+              </a:rPr>
+              <a:t>DMM model fit</a:t>
+            </a:r>
+            <a:endParaRPr lang="en-US" dirty="0"/>
+          </a:p>
+        </p:txBody>
+      </p:sp>
+    </p:spTree>
+    <p:extLst>
+      <p:ext uri="{BB962C8B-B14F-4D97-AF65-F5344CB8AC3E}">
+        <p14:creationId xmlns:p14="http://schemas.microsoft.com/office/powerpoint/2010/main" val="3124541833"/>
+      </p:ext>
+    </p:extLst>
+  </p:cSld>
+  <p:clrMapOvr>
+    <a:masterClrMapping/>
+  </p:clrMapOvr>
+</p:sld>
+</file>
+
+<file path=ppt/slides/slide3.xml><?xml version="1.0" encoding="utf-8"?>
+<p:sld xmlns:a="http://schemas.openxmlformats.org/drawingml/2006/main" xmlns:r="http://schemas.openxmlformats.org/officeDocument/2006/relationships" xmlns:p="http://schemas.openxmlformats.org/presentationml/2006/main">
+  <p:cSld>
+    <p:spTree>
+      <p:nvGrpSpPr>
+        <p:cNvPr id="1" name=""/>
+        <p:cNvGrpSpPr/>
+        <p:nvPr/>
+      </p:nvGrpSpPr>
+      <p:grpSpPr>
+        <a:xfrm>
+          <a:off x="0" y="0"/>
+          <a:ext cx="0" cy="0"/>
+          <a:chOff x="0" y="0"/>
+          <a:chExt cx="0" cy="0"/>
+        </a:xfrm>
+      </p:grpSpPr>
+      <p:pic>
+        <p:nvPicPr>
+          <p:cNvPr id="3" name="Picture 2" descr="A screenshot of a cell phone&#10;&#10;Description automatically generated">
+            <a:extLst>
+              <a:ext uri="{FF2B5EF4-FFF2-40B4-BE49-F238E27FC236}">
+                <a16:creationId xmlns:a16="http://schemas.microsoft.com/office/drawing/2014/main" id="{E7C6D8EB-9A31-43E6-8B2A-D254448B8C02}"/>
+              </a:ext>
+            </a:extLst>
+          </p:cNvPr>
+          <p:cNvPicPr>
+            <a:picLocks noChangeAspect="1"/>
+          </p:cNvPicPr>
+          <p:nvPr/>
+        </p:nvPicPr>
+        <p:blipFill>
+          <a:blip r:embed="rId2">
+            <a:extLst>
+              <a:ext uri="{28A0092B-C50C-407E-A947-70E740481C1C}">
+                <a14:useLocalDpi xmlns:a14="http://schemas.microsoft.com/office/drawing/2010/main" val="0"/>
+              </a:ext>
+            </a:extLst>
+          </a:blip>
+          <a:stretch>
+            <a:fillRect/>
+          </a:stretch>
+        </p:blipFill>
+        <p:spPr>
+          <a:xfrm>
+            <a:off x="380202" y="571101"/>
+            <a:ext cx="11431595" cy="5715798"/>
+          </a:xfrm>
+          <a:prstGeom prst="rect">
+            <a:avLst/>
+          </a:prstGeom>
+        </p:spPr>
+      </p:pic>
+      <p:sp>
+        <p:nvSpPr>
+          <p:cNvPr id="8" name="TextBox 7">
+            <a:extLst>
+              <a:ext uri="{FF2B5EF4-FFF2-40B4-BE49-F238E27FC236}">
+                <a16:creationId xmlns:a16="http://schemas.microsoft.com/office/drawing/2014/main" id="{86EF9B77-A43F-41FD-A269-504F6AA29A40}"/>
+              </a:ext>
+            </a:extLst>
+          </p:cNvPr>
+          <p:cNvSpPr txBox="1"/>
+          <p:nvPr/>
+        </p:nvSpPr>
+        <p:spPr>
+          <a:xfrm>
+            <a:off x="3232727" y="0"/>
+            <a:ext cx="6096000" cy="369332"/>
+          </a:xfrm>
+          <a:prstGeom prst="rect">
+            <a:avLst/>
+          </a:prstGeom>
+          <a:noFill/>
+        </p:spPr>
+        <p:txBody>
+          <a:bodyPr wrap="square">
+            <a:spAutoFit/>
+          </a:bodyPr>
+          <a:lstStyle/>
+          <a:p>
+            <a:pPr algn="ctr"/>
+            <a:r>
+              <a:rPr lang="en-US" sz="1800" b="0" i="0" dirty="0">
+                <a:solidFill>
+                  <a:srgbClr val="333333"/>
+                </a:solidFill>
+                <a:effectLst/>
+                <a:latin typeface="Helvetica Neue"/>
+              </a:rPr>
+              <a:t>Dirichlet Multinomial Mixtures Community typing (k=6)</a:t>
+            </a:r>
+          </a:p>
+        </p:txBody>
+      </p:sp>
+    </p:spTree>
+    <p:extLst>
+      <p:ext uri="{BB962C8B-B14F-4D97-AF65-F5344CB8AC3E}">
+        <p14:creationId xmlns:p14="http://schemas.microsoft.com/office/powerpoint/2010/main" val="2729538592"/>
+      </p:ext>
+    </p:extLst>
+  </p:cSld>
+  <p:clrMapOvr>
+    <a:masterClrMapping/>
+  </p:clrMapOvr>
+</p:sld>
+</file>
+
+<file path=ppt/slides/slide4.xml><?xml version="1.0" encoding="utf-8"?>
+<p:sld xmlns:a="http://schemas.openxmlformats.org/drawingml/2006/main" xmlns:r="http://schemas.openxmlformats.org/officeDocument/2006/relationships" xmlns:p="http://schemas.openxmlformats.org/presentationml/2006/main">
+  <p:cSld>
+    <p:spTree>
+      <p:nvGrpSpPr>
+        <p:cNvPr id="1" name=""/>
+        <p:cNvGrpSpPr/>
+        <p:nvPr/>
+      </p:nvGrpSpPr>
+      <p:grpSpPr>
+        <a:xfrm>
+          <a:off x="0" y="0"/>
+          <a:ext cx="0" cy="0"/>
+          <a:chOff x="0" y="0"/>
+          <a:chExt cx="0" cy="0"/>
+        </a:xfrm>
+      </p:grpSpPr>
+      <p:sp>
+        <p:nvSpPr>
+          <p:cNvPr id="8" name="TextBox 7">
+            <a:extLst>
+              <a:ext uri="{FF2B5EF4-FFF2-40B4-BE49-F238E27FC236}">
+                <a16:creationId xmlns:a16="http://schemas.microsoft.com/office/drawing/2014/main" id="{86EF9B77-A43F-41FD-A269-504F6AA29A40}"/>
+              </a:ext>
+            </a:extLst>
+          </p:cNvPr>
+          <p:cNvSpPr txBox="1"/>
+          <p:nvPr/>
+        </p:nvSpPr>
+        <p:spPr>
+          <a:xfrm>
+            <a:off x="0" y="0"/>
+            <a:ext cx="12192000" cy="369332"/>
+          </a:xfrm>
+          <a:prstGeom prst="rect">
+            <a:avLst/>
+          </a:prstGeom>
+          <a:noFill/>
+        </p:spPr>
+        <p:txBody>
+          <a:bodyPr wrap="square">
+            <a:spAutoFit/>
+          </a:bodyPr>
+          <a:lstStyle/>
+          <a:p>
+            <a:pPr algn="ctr"/>
+            <a:r>
+              <a:rPr lang="en-US" sz="1800" b="0" i="0" dirty="0">
+                <a:solidFill>
+                  <a:srgbClr val="333333"/>
+                </a:solidFill>
+                <a:effectLst/>
+                <a:latin typeface="Helvetica Neue"/>
+              </a:rPr>
+              <a:t>Bacteria derived </a:t>
+            </a:r>
+            <a:r>
+              <a:rPr lang="en-US" dirty="0">
+                <a:solidFill>
+                  <a:srgbClr val="333333"/>
+                </a:solidFill>
+                <a:latin typeface="Helvetica Neue"/>
+              </a:rPr>
+              <a:t>biological process GO term </a:t>
+            </a:r>
+            <a:r>
+              <a:rPr lang="en-US" sz="1800" b="0" i="0" dirty="0">
+                <a:solidFill>
+                  <a:srgbClr val="333333"/>
+                </a:solidFill>
+                <a:effectLst/>
+                <a:latin typeface="Helvetica Neue"/>
+              </a:rPr>
+              <a:t>Dirichlet Multinomial Mixtures Community typing (k=6)</a:t>
+            </a:r>
+          </a:p>
+        </p:txBody>
+      </p:sp>
+      <p:pic>
+        <p:nvPicPr>
+          <p:cNvPr id="4" name="Picture 3" descr="Table&#10;&#10;Description automatically generated">
+            <a:extLst>
+              <a:ext uri="{FF2B5EF4-FFF2-40B4-BE49-F238E27FC236}">
+                <a16:creationId xmlns:a16="http://schemas.microsoft.com/office/drawing/2014/main" id="{593512DA-E678-4FBB-98F7-D6EC626DBF5A}"/>
+              </a:ext>
+            </a:extLst>
+          </p:cNvPr>
+          <p:cNvPicPr>
+            <a:picLocks noChangeAspect="1"/>
+          </p:cNvPicPr>
+          <p:nvPr/>
+        </p:nvPicPr>
+        <p:blipFill rotWithShape="1">
+          <a:blip r:embed="rId2">
+            <a:extLst>
+              <a:ext uri="{28A0092B-C50C-407E-A947-70E740481C1C}">
+                <a14:useLocalDpi xmlns:a14="http://schemas.microsoft.com/office/drawing/2010/main" val="0"/>
+              </a:ext>
+            </a:extLst>
+          </a:blip>
+          <a:srcRect l="21829" r="14813"/>
+          <a:stretch/>
+        </p:blipFill>
+        <p:spPr>
+          <a:xfrm>
+            <a:off x="-18472" y="369332"/>
+            <a:ext cx="4128654" cy="6516376"/>
+          </a:xfrm>
+          <a:prstGeom prst="rect">
+            <a:avLst/>
+          </a:prstGeom>
+        </p:spPr>
+      </p:pic>
+      <p:grpSp>
+        <p:nvGrpSpPr>
+          <p:cNvPr id="13" name="Group 12">
+            <a:extLst>
+              <a:ext uri="{FF2B5EF4-FFF2-40B4-BE49-F238E27FC236}">
+                <a16:creationId xmlns:a16="http://schemas.microsoft.com/office/drawing/2014/main" id="{FB3AECB2-E5AF-4A77-88BD-9A85D6B4AAE6}"/>
+              </a:ext>
+            </a:extLst>
+          </p:cNvPr>
+          <p:cNvGrpSpPr/>
+          <p:nvPr/>
+        </p:nvGrpSpPr>
+        <p:grpSpPr>
+          <a:xfrm>
+            <a:off x="5984900" y="766493"/>
+            <a:ext cx="4193841" cy="1905266"/>
+            <a:chOff x="5896886" y="369332"/>
+            <a:chExt cx="4193841" cy="1905266"/>
+          </a:xfrm>
+        </p:grpSpPr>
+        <p:pic>
+          <p:nvPicPr>
+            <p:cNvPr id="9" name="Picture 8" descr="Chart&#10;&#10;Description automatically generated">
+              <a:extLst>
+                <a:ext uri="{FF2B5EF4-FFF2-40B4-BE49-F238E27FC236}">
+                  <a16:creationId xmlns:a16="http://schemas.microsoft.com/office/drawing/2014/main" id="{5257B7BB-DC1E-4A1E-9BE2-429ECBA06D16}"/>
+                </a:ext>
+              </a:extLst>
+            </p:cNvPr>
+            <p:cNvPicPr>
+              <a:picLocks noChangeAspect="1"/>
+            </p:cNvPicPr>
+            <p:nvPr/>
+          </p:nvPicPr>
+          <p:blipFill rotWithShape="1">
+            <a:blip r:embed="rId3">
+              <a:extLst>
+                <a:ext uri="{28A0092B-C50C-407E-A947-70E740481C1C}">
+                  <a14:useLocalDpi xmlns:a14="http://schemas.microsoft.com/office/drawing/2010/main" val="0"/>
+                </a:ext>
+              </a:extLst>
+            </a:blip>
+            <a:srcRect l="79928" t="47721" b="14982"/>
+            <a:stretch/>
+          </p:blipFill>
+          <p:spPr>
+            <a:xfrm>
+              <a:off x="9325886" y="369332"/>
+              <a:ext cx="764841" cy="1421245"/>
+            </a:xfrm>
+            <a:prstGeom prst="rect">
+              <a:avLst/>
+            </a:prstGeom>
+          </p:spPr>
+        </p:pic>
+        <p:pic>
+          <p:nvPicPr>
+            <p:cNvPr id="11" name="Picture 10" descr="Chart, bubble chart&#10;&#10;Description automatically generated">
+              <a:extLst>
+                <a:ext uri="{FF2B5EF4-FFF2-40B4-BE49-F238E27FC236}">
+                  <a16:creationId xmlns:a16="http://schemas.microsoft.com/office/drawing/2014/main" id="{26CE1749-7A24-43B1-9815-BF45DBDAF389}"/>
+                </a:ext>
+              </a:extLst>
+            </p:cNvPr>
+            <p:cNvPicPr>
+              <a:picLocks noChangeAspect="1"/>
+            </p:cNvPicPr>
+            <p:nvPr/>
+          </p:nvPicPr>
+          <p:blipFill rotWithShape="1">
+            <a:blip r:embed="rId4">
+              <a:extLst>
+                <a:ext uri="{28A0092B-C50C-407E-A947-70E740481C1C}">
+                  <a14:useLocalDpi xmlns:a14="http://schemas.microsoft.com/office/drawing/2010/main" val="0"/>
+                </a:ext>
+              </a:extLst>
+            </a:blip>
+            <a:srcRect r="23579"/>
+            <a:stretch/>
+          </p:blipFill>
+          <p:spPr>
+            <a:xfrm>
+              <a:off x="6416697" y="369332"/>
+              <a:ext cx="2912030" cy="1905266"/>
+            </a:xfrm>
+            <a:prstGeom prst="rect">
+              <a:avLst/>
+            </a:prstGeom>
+          </p:spPr>
+        </p:pic>
+        <p:pic>
+          <p:nvPicPr>
+            <p:cNvPr id="12" name="Picture 11" descr="Chart&#10;&#10;Description automatically generated">
+              <a:extLst>
+                <a:ext uri="{FF2B5EF4-FFF2-40B4-BE49-F238E27FC236}">
+                  <a16:creationId xmlns:a16="http://schemas.microsoft.com/office/drawing/2014/main" id="{48F0BE58-3DE4-4243-91E2-9580E4FB6DC9}"/>
+                </a:ext>
+              </a:extLst>
+            </p:cNvPr>
+            <p:cNvPicPr>
+              <a:picLocks noChangeAspect="1"/>
+            </p:cNvPicPr>
+            <p:nvPr/>
+          </p:nvPicPr>
+          <p:blipFill rotWithShape="1">
+            <a:blip r:embed="rId3">
+              <a:extLst>
+                <a:ext uri="{28A0092B-C50C-407E-A947-70E740481C1C}">
+                  <a14:useLocalDpi xmlns:a14="http://schemas.microsoft.com/office/drawing/2010/main" val="0"/>
+                </a:ext>
+              </a:extLst>
+            </a:blip>
+            <a:srcRect l="79928" t="10605" b="56279"/>
+            <a:stretch/>
+          </p:blipFill>
+          <p:spPr>
+            <a:xfrm>
+              <a:off x="5896886" y="369332"/>
+              <a:ext cx="764841" cy="1261919"/>
+            </a:xfrm>
+            <a:prstGeom prst="rect">
+              <a:avLst/>
+            </a:prstGeom>
+          </p:spPr>
+        </p:pic>
+      </p:grpSp>
+      <p:pic>
+        <p:nvPicPr>
+          <p:cNvPr id="15" name="Picture 14" descr="A picture containing calendar&#10;&#10;Description automatically generated">
+            <a:extLst>
+              <a:ext uri="{FF2B5EF4-FFF2-40B4-BE49-F238E27FC236}">
+                <a16:creationId xmlns:a16="http://schemas.microsoft.com/office/drawing/2014/main" id="{2EF92754-55A2-4993-BC84-A9558FF64DF4}"/>
+              </a:ext>
+            </a:extLst>
+          </p:cNvPr>
+          <p:cNvPicPr>
+            <a:picLocks noChangeAspect="1"/>
+          </p:cNvPicPr>
+          <p:nvPr/>
+        </p:nvPicPr>
+        <p:blipFill>
+          <a:blip r:embed="rId5">
+            <a:extLst>
+              <a:ext uri="{28A0092B-C50C-407E-A947-70E740481C1C}">
+                <a14:useLocalDpi xmlns:a14="http://schemas.microsoft.com/office/drawing/2010/main" val="0"/>
+              </a:ext>
+            </a:extLst>
+          </a:blip>
+          <a:stretch>
+            <a:fillRect/>
+          </a:stretch>
+        </p:blipFill>
+        <p:spPr>
+          <a:xfrm>
+            <a:off x="4271288" y="3075176"/>
+            <a:ext cx="7621064" cy="3810532"/>
+          </a:xfrm>
+          <a:prstGeom prst="rect">
+            <a:avLst/>
+          </a:prstGeom>
+        </p:spPr>
+      </p:pic>
+      <p:pic>
+        <p:nvPicPr>
+          <p:cNvPr id="16" name="Picture 15" descr="Table&#10;&#10;Description automatically generated">
+            <a:extLst>
+              <a:ext uri="{FF2B5EF4-FFF2-40B4-BE49-F238E27FC236}">
+                <a16:creationId xmlns:a16="http://schemas.microsoft.com/office/drawing/2014/main" id="{C86C0B97-0B4A-474B-B023-DB242CC1CE0C}"/>
+              </a:ext>
+            </a:extLst>
+          </p:cNvPr>
+          <p:cNvPicPr>
+            <a:picLocks noChangeAspect="1"/>
+          </p:cNvPicPr>
+          <p:nvPr/>
+        </p:nvPicPr>
+        <p:blipFill rotWithShape="1">
+          <a:blip r:embed="rId2">
+            <a:extLst>
+              <a:ext uri="{28A0092B-C50C-407E-A947-70E740481C1C}">
+                <a14:useLocalDpi xmlns:a14="http://schemas.microsoft.com/office/drawing/2010/main" val="0"/>
+              </a:ext>
+            </a:extLst>
+          </a:blip>
+          <a:srcRect l="86108" t="29592" b="31750"/>
+          <a:stretch/>
+        </p:blipFill>
+        <p:spPr>
+          <a:xfrm>
+            <a:off x="4118293" y="415256"/>
+            <a:ext cx="905286" cy="2519076"/>
+          </a:xfrm>
+          <a:prstGeom prst="rect">
+            <a:avLst/>
+          </a:prstGeom>
+        </p:spPr>
+      </p:pic>
+      <p:sp>
+        <p:nvSpPr>
+          <p:cNvPr id="18" name="TextBox 17">
+            <a:extLst>
+              <a:ext uri="{FF2B5EF4-FFF2-40B4-BE49-F238E27FC236}">
+                <a16:creationId xmlns:a16="http://schemas.microsoft.com/office/drawing/2014/main" id="{148B8696-59B0-43AC-BDFB-4A75951BAFCA}"/>
+              </a:ext>
+            </a:extLst>
+          </p:cNvPr>
+          <p:cNvSpPr txBox="1"/>
+          <p:nvPr/>
+        </p:nvSpPr>
+        <p:spPr>
+          <a:xfrm>
+            <a:off x="4727987" y="2749666"/>
+            <a:ext cx="6707667" cy="338554"/>
+          </a:xfrm>
+          <a:prstGeom prst="rect">
+            <a:avLst/>
+          </a:prstGeom>
+          <a:noFill/>
+        </p:spPr>
+        <p:txBody>
+          <a:bodyPr wrap="square">
+            <a:spAutoFit/>
+          </a:bodyPr>
+          <a:lstStyle/>
+          <a:p>
+            <a:r>
+              <a:rPr lang="en-US" sz="1600" dirty="0">
+                <a:solidFill>
+                  <a:srgbClr val="333333"/>
+                </a:solidFill>
+                <a:latin typeface="Helvetica Neue"/>
+              </a:rPr>
+              <a:t>DMM group (x)  by case (y) faceted by publication, colored by count</a:t>
+            </a:r>
+            <a:endParaRPr lang="en-US" sz="1600" dirty="0"/>
+          </a:p>
+        </p:txBody>
+      </p:sp>
+      <p:sp>
+        <p:nvSpPr>
+          <p:cNvPr id="19" name="TextBox 18">
+            <a:extLst>
+              <a:ext uri="{FF2B5EF4-FFF2-40B4-BE49-F238E27FC236}">
+                <a16:creationId xmlns:a16="http://schemas.microsoft.com/office/drawing/2014/main" id="{CAD8DFBE-B664-4F7C-9BD9-66052BD8F536}"/>
+              </a:ext>
+            </a:extLst>
+          </p:cNvPr>
+          <p:cNvSpPr txBox="1"/>
+          <p:nvPr/>
+        </p:nvSpPr>
+        <p:spPr>
+          <a:xfrm>
+            <a:off x="5938852" y="398635"/>
+            <a:ext cx="4285936" cy="338554"/>
+          </a:xfrm>
+          <a:prstGeom prst="rect">
+            <a:avLst/>
+          </a:prstGeom>
+          <a:noFill/>
+        </p:spPr>
+        <p:txBody>
+          <a:bodyPr wrap="square">
+            <a:spAutoFit/>
+          </a:bodyPr>
+          <a:lstStyle/>
+          <a:p>
+            <a:r>
+              <a:rPr lang="en-US" sz="1600" dirty="0">
+                <a:solidFill>
+                  <a:srgbClr val="333333"/>
+                </a:solidFill>
+                <a:latin typeface="Helvetica Neue"/>
+              </a:rPr>
+              <a:t>DMM group (x)  by case (y), colored by count</a:t>
+            </a:r>
+            <a:endParaRPr lang="en-US" sz="1600" dirty="0"/>
+          </a:p>
+        </p:txBody>
+      </p:sp>
+    </p:spTree>
+    <p:extLst>
+      <p:ext uri="{BB962C8B-B14F-4D97-AF65-F5344CB8AC3E}">
+        <p14:creationId xmlns:p14="http://schemas.microsoft.com/office/powerpoint/2010/main" val="3078795528"/>
+      </p:ext>
+    </p:extLst>
+  </p:cSld>
+  <p:clrMapOvr>
+    <a:masterClrMapping/>
+  </p:clrMapOvr>
+</p:sld>
+</file>
+
+<file path=ppt/slides/slide5.xml><?xml version="1.0" encoding="utf-8"?>
+<p:sld xmlns:a="http://schemas.openxmlformats.org/drawingml/2006/main" xmlns:r="http://schemas.openxmlformats.org/officeDocument/2006/relationships" xmlns:p="http://schemas.openxmlformats.org/presentationml/2006/main">
+  <p:cSld>
+    <p:spTree>
+      <p:nvGrpSpPr>
+        <p:cNvPr id="1" name=""/>
+        <p:cNvGrpSpPr/>
+        <p:nvPr/>
+      </p:nvGrpSpPr>
+      <p:grpSpPr>
+        <a:xfrm>
+          <a:off x="0" y="0"/>
+          <a:ext cx="0" cy="0"/>
+          <a:chOff x="0" y="0"/>
+          <a:chExt cx="0" cy="0"/>
+        </a:xfrm>
+      </p:grpSpPr>
+      <p:sp>
+        <p:nvSpPr>
+          <p:cNvPr id="2" name="Title 1">
+            <a:extLst>
+              <a:ext uri="{FF2B5EF4-FFF2-40B4-BE49-F238E27FC236}">
+                <a16:creationId xmlns:a16="http://schemas.microsoft.com/office/drawing/2014/main" id="{20521BFD-BBEE-4FDA-BBEA-8F1A6E4884C0}"/>
+              </a:ext>
+            </a:extLst>
+          </p:cNvPr>
+          <p:cNvSpPr>
+            <a:spLocks noGrp="1"/>
+          </p:cNvSpPr>
+          <p:nvPr>
+            <p:ph type="ctrTitle"/>
+          </p:nvPr>
+        </p:nvSpPr>
+        <p:spPr/>
+        <p:txBody>
+          <a:bodyPr/>
+          <a:lstStyle/>
+          <a:p>
+            <a:r>
+              <a:rPr lang="en-US" dirty="0"/>
+              <a:t>Go term </a:t>
+            </a:r>
+            <a:r>
+              <a:rPr lang="en-US" dirty="0" err="1"/>
+              <a:t>visualisations</a:t>
+            </a:r>
+            <a:endParaRPr lang="en-US" dirty="0"/>
+          </a:p>
+        </p:txBody>
+      </p:sp>
+      <p:sp>
+        <p:nvSpPr>
+          <p:cNvPr id="3" name="Subtitle 2">
+            <a:extLst>
+              <a:ext uri="{FF2B5EF4-FFF2-40B4-BE49-F238E27FC236}">
+                <a16:creationId xmlns:a16="http://schemas.microsoft.com/office/drawing/2014/main" id="{2CCC5B1D-2D7F-4672-8E00-371F37FE7D2A}"/>
+              </a:ext>
+            </a:extLst>
+          </p:cNvPr>
+          <p:cNvSpPr>
+            <a:spLocks noGrp="1"/>
+          </p:cNvSpPr>
+          <p:nvPr>
+            <p:ph type="subTitle" idx="1"/>
+          </p:nvPr>
+        </p:nvSpPr>
+        <p:spPr/>
+        <p:txBody>
+          <a:bodyPr/>
+          <a:lstStyle/>
+          <a:p>
+            <a:r>
+              <a:rPr lang="en-US" dirty="0"/>
+              <a:t>Jochum, Michael D.</a:t>
+            </a:r>
+          </a:p>
+          <a:p>
+            <a:r>
+              <a:rPr lang="en-US" dirty="0"/>
+              <a:t>27 Oct 2020</a:t>
+            </a:r>
+          </a:p>
+        </p:txBody>
+      </p:sp>
+    </p:spTree>
+    <p:extLst>
+      <p:ext uri="{BB962C8B-B14F-4D97-AF65-F5344CB8AC3E}">
+        <p14:creationId xmlns:p14="http://schemas.microsoft.com/office/powerpoint/2010/main" val="2725461332"/>
+      </p:ext>
+    </p:extLst>
+  </p:cSld>
+  <p:clrMapOvr>
+    <a:masterClrMapping/>
+  </p:clrMapOvr>
+</p:sld>
+</file>
+
+<file path=ppt/slides/slide6.xml><?xml version="1.0" encoding="utf-8"?>
+<p:sld xmlns:a="http://schemas.openxmlformats.org/drawingml/2006/main" xmlns:r="http://schemas.openxmlformats.org/officeDocument/2006/relationships" xmlns:p="http://schemas.openxmlformats.org/presentationml/2006/main">
+  <p:cSld>
+    <p:spTree>
+      <p:nvGrpSpPr>
+        <p:cNvPr id="1" name=""/>
+        <p:cNvGrpSpPr/>
+        <p:nvPr/>
+      </p:nvGrpSpPr>
+      <p:grpSpPr>
+        <a:xfrm>
+          <a:off x="0" y="0"/>
+          <a:ext cx="0" cy="0"/>
+          <a:chOff x="0" y="0"/>
+          <a:chExt cx="0" cy="0"/>
+        </a:xfrm>
+      </p:grpSpPr>
+      <p:pic>
+        <p:nvPicPr>
           <p:cNvPr id="3" name="Picture 2" descr="Chart, bar chart&#10;&#10;Description automatically generated">
             <a:extLst>
               <a:ext uri="{FF2B5EF4-FFF2-40B4-BE49-F238E27FC236}">
@@ -3508,7 +4925,7 @@
 </p:sld>
 </file>
 
-<file path=ppt/slides/slide3.xml><?xml version="1.0" encoding="utf-8"?>
+<file path=ppt/slides/slide7.xml><?xml version="1.0" encoding="utf-8"?>
 <p:sld xmlns:a="http://schemas.openxmlformats.org/drawingml/2006/main" xmlns:r="http://schemas.openxmlformats.org/officeDocument/2006/relationships" xmlns:p="http://schemas.openxmlformats.org/presentationml/2006/main">
   <p:cSld>
     <p:spTree>
@@ -3651,7 +5068,7 @@
 </p:sld>
 </file>
 
-<file path=ppt/slides/slide4.xml><?xml version="1.0" encoding="utf-8"?>
+<file path=ppt/slides/slide8.xml><?xml version="1.0" encoding="utf-8"?>
 <p:sld xmlns:a="http://schemas.openxmlformats.org/drawingml/2006/main" xmlns:r="http://schemas.openxmlformats.org/officeDocument/2006/relationships" xmlns:p="http://schemas.openxmlformats.org/presentationml/2006/main">
   <p:cSld>
     <p:spTree>
@@ -3788,7 +5205,7 @@
 </p:sld>
 </file>
 
-<file path=ppt/slides/slide5.xml><?xml version="1.0" encoding="utf-8"?>
+<file path=ppt/slides/slide9.xml><?xml version="1.0" encoding="utf-8"?>
 <p:sld xmlns:a="http://schemas.openxmlformats.org/drawingml/2006/main" xmlns:r="http://schemas.openxmlformats.org/officeDocument/2006/relationships" xmlns:p="http://schemas.openxmlformats.org/presentationml/2006/main">
   <p:cSld>
     <p:spTree>
@@ -4008,222 +5425,6 @@
     <p:extLst>
       <p:ext uri="{BB962C8B-B14F-4D97-AF65-F5344CB8AC3E}">
         <p14:creationId xmlns:p14="http://schemas.microsoft.com/office/powerpoint/2010/main" val="711041890"/>
-      </p:ext>
-    </p:extLst>
-  </p:cSld>
-  <p:clrMapOvr>
-    <a:masterClrMapping/>
-  </p:clrMapOvr>
-</p:sld>
-</file>
-
-<file path=ppt/slides/slide6.xml><?xml version="1.0" encoding="utf-8"?>
-<p:sld xmlns:a="http://schemas.openxmlformats.org/drawingml/2006/main" xmlns:r="http://schemas.openxmlformats.org/officeDocument/2006/relationships" xmlns:p="http://schemas.openxmlformats.org/presentationml/2006/main">
-  <p:cSld>
-    <p:spTree>
-      <p:nvGrpSpPr>
-        <p:cNvPr id="1" name=""/>
-        <p:cNvGrpSpPr/>
-        <p:nvPr/>
-      </p:nvGrpSpPr>
-      <p:grpSpPr>
-        <a:xfrm>
-          <a:off x="0" y="0"/>
-          <a:ext cx="0" cy="0"/>
-          <a:chOff x="0" y="0"/>
-          <a:chExt cx="0" cy="0"/>
-        </a:xfrm>
-      </p:grpSpPr>
-      <p:sp>
-        <p:nvSpPr>
-          <p:cNvPr id="4" name="TextBox 3">
-            <a:extLst>
-              <a:ext uri="{FF2B5EF4-FFF2-40B4-BE49-F238E27FC236}">
-                <a16:creationId xmlns:a16="http://schemas.microsoft.com/office/drawing/2014/main" id="{BCC1FD77-FAB1-4463-9C46-EB379A9AE9FC}"/>
-              </a:ext>
-            </a:extLst>
-          </p:cNvPr>
-          <p:cNvSpPr txBox="1"/>
-          <p:nvPr/>
-        </p:nvSpPr>
-        <p:spPr>
-          <a:xfrm>
-            <a:off x="0" y="38040"/>
-            <a:ext cx="12192000" cy="400110"/>
-          </a:xfrm>
-          <a:prstGeom prst="rect">
-            <a:avLst/>
-          </a:prstGeom>
-          <a:noFill/>
-        </p:spPr>
-        <p:txBody>
-          <a:bodyPr wrap="square" rtlCol="0">
-            <a:spAutoFit/>
-          </a:bodyPr>
-          <a:lstStyle/>
-          <a:p>
-            <a:pPr algn="ctr"/>
-            <a:r>
-              <a:rPr lang="en-US" sz="2000" b="0" i="0" dirty="0">
-                <a:solidFill>
-                  <a:srgbClr val="333333"/>
-                </a:solidFill>
-                <a:effectLst/>
-                <a:latin typeface="Helvetica Neue"/>
-              </a:rPr>
-              <a:t>Dirichlet Multinomial Mixtures Community typing</a:t>
-            </a:r>
-          </a:p>
-        </p:txBody>
-      </p:sp>
-      <p:pic>
-        <p:nvPicPr>
-          <p:cNvPr id="8" name="Picture 7" descr="A picture containing table&#10;&#10;Description automatically generated">
-            <a:extLst>
-              <a:ext uri="{FF2B5EF4-FFF2-40B4-BE49-F238E27FC236}">
-                <a16:creationId xmlns:a16="http://schemas.microsoft.com/office/drawing/2014/main" id="{2F25E0F1-CD57-4982-8F5B-95E4CD53417B}"/>
-              </a:ext>
-            </a:extLst>
-          </p:cNvPr>
-          <p:cNvPicPr>
-            <a:picLocks noChangeAspect="1"/>
-          </p:cNvPicPr>
-          <p:nvPr/>
-        </p:nvPicPr>
-        <p:blipFill>
-          <a:blip r:embed="rId2">
-            <a:extLst>
-              <a:ext uri="{28A0092B-C50C-407E-A947-70E740481C1C}">
-                <a14:useLocalDpi xmlns:a14="http://schemas.microsoft.com/office/drawing/2010/main" val="0"/>
-              </a:ext>
-            </a:extLst>
-          </a:blip>
-          <a:stretch>
-            <a:fillRect/>
-          </a:stretch>
-        </p:blipFill>
-        <p:spPr>
-          <a:xfrm>
-            <a:off x="0" y="419100"/>
-            <a:ext cx="6438900" cy="6438900"/>
-          </a:xfrm>
-          <a:prstGeom prst="rect">
-            <a:avLst/>
-          </a:prstGeom>
-        </p:spPr>
-      </p:pic>
-    </p:spTree>
-    <p:extLst>
-      <p:ext uri="{BB962C8B-B14F-4D97-AF65-F5344CB8AC3E}">
-        <p14:creationId xmlns:p14="http://schemas.microsoft.com/office/powerpoint/2010/main" val="3745655191"/>
-      </p:ext>
-    </p:extLst>
-  </p:cSld>
-  <p:clrMapOvr>
-    <a:masterClrMapping/>
-  </p:clrMapOvr>
-</p:sld>
-</file>
-
-<file path=ppt/slides/slide7.xml><?xml version="1.0" encoding="utf-8"?>
-<p:sld xmlns:a="http://schemas.openxmlformats.org/drawingml/2006/main" xmlns:r="http://schemas.openxmlformats.org/officeDocument/2006/relationships" xmlns:p="http://schemas.openxmlformats.org/presentationml/2006/main">
-  <p:cSld>
-    <p:spTree>
-      <p:nvGrpSpPr>
-        <p:cNvPr id="1" name=""/>
-        <p:cNvGrpSpPr/>
-        <p:nvPr/>
-      </p:nvGrpSpPr>
-      <p:grpSpPr>
-        <a:xfrm>
-          <a:off x="0" y="0"/>
-          <a:ext cx="0" cy="0"/>
-          <a:chOff x="0" y="0"/>
-          <a:chExt cx="0" cy="0"/>
-        </a:xfrm>
-      </p:grpSpPr>
-      <p:sp>
-        <p:nvSpPr>
-          <p:cNvPr id="4" name="TextBox 3">
-            <a:extLst>
-              <a:ext uri="{FF2B5EF4-FFF2-40B4-BE49-F238E27FC236}">
-                <a16:creationId xmlns:a16="http://schemas.microsoft.com/office/drawing/2014/main" id="{BCC1FD77-FAB1-4463-9C46-EB379A9AE9FC}"/>
-              </a:ext>
-            </a:extLst>
-          </p:cNvPr>
-          <p:cNvSpPr txBox="1"/>
-          <p:nvPr/>
-        </p:nvSpPr>
-        <p:spPr>
-          <a:xfrm>
-            <a:off x="0" y="38040"/>
-            <a:ext cx="12192000" cy="400110"/>
-          </a:xfrm>
-          <a:prstGeom prst="rect">
-            <a:avLst/>
-          </a:prstGeom>
-          <a:noFill/>
-        </p:spPr>
-        <p:txBody>
-          <a:bodyPr wrap="square" rtlCol="0">
-            <a:spAutoFit/>
-          </a:bodyPr>
-          <a:lstStyle/>
-          <a:p>
-            <a:pPr algn="ctr"/>
-            <a:r>
-              <a:rPr lang="en-US" sz="2000" b="0" i="0" dirty="0">
-                <a:solidFill>
-                  <a:srgbClr val="333333"/>
-                </a:solidFill>
-                <a:effectLst/>
-                <a:latin typeface="Helvetica Neue"/>
-              </a:rPr>
-              <a:t>Dirichlet Multinomial Mixtures Community typing</a:t>
-            </a:r>
-          </a:p>
-        </p:txBody>
-      </p:sp>
-      <p:pic>
-        <p:nvPicPr>
-          <p:cNvPr id="3" name="Picture 2" descr="Graphical user interface&#10;&#10;Description automatically generated">
-            <a:extLst>
-              <a:ext uri="{FF2B5EF4-FFF2-40B4-BE49-F238E27FC236}">
-                <a16:creationId xmlns:a16="http://schemas.microsoft.com/office/drawing/2014/main" id="{55BAF2E6-5A50-4C47-9098-6E8C79CAA2BB}"/>
-              </a:ext>
-            </a:extLst>
-          </p:cNvPr>
-          <p:cNvPicPr>
-            <a:picLocks noChangeAspect="1"/>
-          </p:cNvPicPr>
-          <p:nvPr/>
-        </p:nvPicPr>
-        <p:blipFill>
-          <a:blip r:embed="rId2">
-            <a:extLst>
-              <a:ext uri="{28A0092B-C50C-407E-A947-70E740481C1C}">
-                <a14:useLocalDpi xmlns:a14="http://schemas.microsoft.com/office/drawing/2010/main" val="0"/>
-              </a:ext>
-            </a:extLst>
-          </a:blip>
-          <a:stretch>
-            <a:fillRect/>
-          </a:stretch>
-        </p:blipFill>
-        <p:spPr>
-          <a:xfrm>
-            <a:off x="0" y="381000"/>
-            <a:ext cx="12192000" cy="6096000"/>
-          </a:xfrm>
-          <a:prstGeom prst="rect">
-            <a:avLst/>
-          </a:prstGeom>
-        </p:spPr>
-      </p:pic>
-    </p:spTree>
-    <p:extLst>
-      <p:ext uri="{BB962C8B-B14F-4D97-AF65-F5344CB8AC3E}">
-        <p14:creationId xmlns:p14="http://schemas.microsoft.com/office/powerpoint/2010/main" val="61711871"/>
       </p:ext>
     </p:extLst>
   </p:cSld>
